--- a/_Prototype/Document/UI/서버 UI.pptx
+++ b/_Prototype/Document/UI/서버 UI.pptx
@@ -202,7 +202,7 @@
           <a:p>
             <a:fld id="{F3C8B89E-453D-4031-9656-BEBD73A2F004}" type="datetimeFigureOut">
               <a:rPr lang="ko-KR" altLang="en-US" smtClean="0"/>
-              <a:t>2022-09-01</a:t>
+              <a:t>2022-09-21</a:t>
             </a:fld>
             <a:endParaRPr lang="ko-KR" altLang="en-US"/>
           </a:p>
@@ -1036,7 +1036,7 @@
           <a:p>
             <a:fld id="{2FE236A7-34C6-4DA0-B8E0-A937449C5C10}" type="datetimeFigureOut">
               <a:rPr lang="ko-KR" altLang="en-US" smtClean="0"/>
-              <a:t>2022-09-01</a:t>
+              <a:t>2022-09-21</a:t>
             </a:fld>
             <a:endParaRPr lang="ko-KR" altLang="en-US"/>
           </a:p>
@@ -1234,7 +1234,7 @@
           <a:p>
             <a:fld id="{2FE236A7-34C6-4DA0-B8E0-A937449C5C10}" type="datetimeFigureOut">
               <a:rPr lang="ko-KR" altLang="en-US" smtClean="0"/>
-              <a:t>2022-09-01</a:t>
+              <a:t>2022-09-21</a:t>
             </a:fld>
             <a:endParaRPr lang="ko-KR" altLang="en-US"/>
           </a:p>
@@ -1442,7 +1442,7 @@
           <a:p>
             <a:fld id="{2FE236A7-34C6-4DA0-B8E0-A937449C5C10}" type="datetimeFigureOut">
               <a:rPr lang="ko-KR" altLang="en-US" smtClean="0"/>
-              <a:t>2022-09-01</a:t>
+              <a:t>2022-09-21</a:t>
             </a:fld>
             <a:endParaRPr lang="ko-KR" altLang="en-US"/>
           </a:p>
@@ -1892,7 +1892,7 @@
           <a:p>
             <a:fld id="{2FE236A7-34C6-4DA0-B8E0-A937449C5C10}" type="datetimeFigureOut">
               <a:rPr lang="ko-KR" altLang="en-US" smtClean="0"/>
-              <a:t>2022-09-01</a:t>
+              <a:t>2022-09-21</a:t>
             </a:fld>
             <a:endParaRPr lang="ko-KR" altLang="en-US"/>
           </a:p>
@@ -2167,7 +2167,7 @@
           <a:p>
             <a:fld id="{2FE236A7-34C6-4DA0-B8E0-A937449C5C10}" type="datetimeFigureOut">
               <a:rPr lang="ko-KR" altLang="en-US" smtClean="0"/>
-              <a:t>2022-09-01</a:t>
+              <a:t>2022-09-21</a:t>
             </a:fld>
             <a:endParaRPr lang="ko-KR" altLang="en-US"/>
           </a:p>
@@ -2432,7 +2432,7 @@
           <a:p>
             <a:fld id="{2FE236A7-34C6-4DA0-B8E0-A937449C5C10}" type="datetimeFigureOut">
               <a:rPr lang="ko-KR" altLang="en-US" smtClean="0"/>
-              <a:t>2022-09-01</a:t>
+              <a:t>2022-09-21</a:t>
             </a:fld>
             <a:endParaRPr lang="ko-KR" altLang="en-US"/>
           </a:p>
@@ -2844,7 +2844,7 @@
           <a:p>
             <a:fld id="{2FE236A7-34C6-4DA0-B8E0-A937449C5C10}" type="datetimeFigureOut">
               <a:rPr lang="ko-KR" altLang="en-US" smtClean="0"/>
-              <a:t>2022-09-01</a:t>
+              <a:t>2022-09-21</a:t>
             </a:fld>
             <a:endParaRPr lang="ko-KR" altLang="en-US"/>
           </a:p>
@@ -2985,7 +2985,7 @@
           <a:p>
             <a:fld id="{2FE236A7-34C6-4DA0-B8E0-A937449C5C10}" type="datetimeFigureOut">
               <a:rPr lang="ko-KR" altLang="en-US" smtClean="0"/>
-              <a:t>2022-09-01</a:t>
+              <a:t>2022-09-21</a:t>
             </a:fld>
             <a:endParaRPr lang="ko-KR" altLang="en-US"/>
           </a:p>
@@ -3098,7 +3098,7 @@
           <a:p>
             <a:fld id="{2FE236A7-34C6-4DA0-B8E0-A937449C5C10}" type="datetimeFigureOut">
               <a:rPr lang="ko-KR" altLang="en-US" smtClean="0"/>
-              <a:t>2022-09-01</a:t>
+              <a:t>2022-09-21</a:t>
             </a:fld>
             <a:endParaRPr lang="ko-KR" altLang="en-US"/>
           </a:p>
@@ -3409,7 +3409,7 @@
           <a:p>
             <a:fld id="{2FE236A7-34C6-4DA0-B8E0-A937449C5C10}" type="datetimeFigureOut">
               <a:rPr lang="ko-KR" altLang="en-US" smtClean="0"/>
-              <a:t>2022-09-01</a:t>
+              <a:t>2022-09-21</a:t>
             </a:fld>
             <a:endParaRPr lang="ko-KR" altLang="en-US"/>
           </a:p>
@@ -3697,7 +3697,7 @@
           <a:p>
             <a:fld id="{2FE236A7-34C6-4DA0-B8E0-A937449C5C10}" type="datetimeFigureOut">
               <a:rPr lang="ko-KR" altLang="en-US" smtClean="0"/>
-              <a:t>2022-09-01</a:t>
+              <a:t>2022-09-21</a:t>
             </a:fld>
             <a:endParaRPr lang="ko-KR" altLang="en-US"/>
           </a:p>
@@ -3938,7 +3938,7 @@
           <a:p>
             <a:fld id="{2FE236A7-34C6-4DA0-B8E0-A937449C5C10}" type="datetimeFigureOut">
               <a:rPr lang="ko-KR" altLang="en-US" smtClean="0"/>
-              <a:t>2022-09-01</a:t>
+              <a:t>2022-09-21</a:t>
             </a:fld>
             <a:endParaRPr lang="ko-KR" altLang="en-US"/>
           </a:p>
@@ -4470,57 +4470,6 @@
       </p:grpSpPr>
       <p:sp>
         <p:nvSpPr>
-          <p:cNvPr id="31" name="직사각형 30"/>
-          <p:cNvSpPr/>
-          <p:nvPr/>
-        </p:nvSpPr>
-        <p:spPr>
-          <a:xfrm>
-            <a:off x="646546" y="4310743"/>
-            <a:ext cx="11409096" cy="2379902"/>
-          </a:xfrm>
-          <a:prstGeom prst="rect">
-            <a:avLst/>
-          </a:prstGeom>
-          <a:solidFill>
-            <a:schemeClr val="accent4">
-              <a:lumMod val="20000"/>
-              <a:lumOff val="80000"/>
-            </a:schemeClr>
-          </a:solidFill>
-          <a:ln>
-            <a:solidFill>
-              <a:schemeClr val="tx1"/>
-            </a:solidFill>
-          </a:ln>
-        </p:spPr>
-        <p:style>
-          <a:lnRef idx="2">
-            <a:schemeClr val="accent1">
-              <a:shade val="50000"/>
-            </a:schemeClr>
-          </a:lnRef>
-          <a:fillRef idx="1">
-            <a:schemeClr val="accent1"/>
-          </a:fillRef>
-          <a:effectRef idx="0">
-            <a:schemeClr val="accent1"/>
-          </a:effectRef>
-          <a:fontRef idx="minor">
-            <a:schemeClr val="lt1"/>
-          </a:fontRef>
-        </p:style>
-        <p:txBody>
-          <a:bodyPr rtlCol="0" anchor="ctr"/>
-          <a:lstStyle/>
-          <a:p>
-            <a:pPr algn="ctr"/>
-            <a:endParaRPr lang="ko-KR" altLang="en-US"/>
-          </a:p>
-        </p:txBody>
-      </p:sp>
-      <p:sp>
-        <p:nvSpPr>
           <p:cNvPr id="4" name="직사각형 3">
             <a:extLst>
               <a:ext uri="{FF2B5EF4-FFF2-40B4-BE49-F238E27FC236}">
@@ -4573,36 +4522,6 @@
       </p:sp>
       <p:sp>
         <p:nvSpPr>
-          <p:cNvPr id="17" name="TextBox 16"/>
-          <p:cNvSpPr txBox="1"/>
-          <p:nvPr/>
-        </p:nvSpPr>
-        <p:spPr>
-          <a:xfrm>
-            <a:off x="4488874" y="6376450"/>
-            <a:ext cx="1271502" cy="261610"/>
-          </a:xfrm>
-          <a:prstGeom prst="rect">
-            <a:avLst/>
-          </a:prstGeom>
-          <a:noFill/>
-        </p:spPr>
-        <p:txBody>
-          <a:bodyPr wrap="none" rtlCol="0">
-            <a:spAutoFit/>
-          </a:bodyPr>
-          <a:lstStyle/>
-          <a:p>
-            <a:r>
-              <a:rPr lang="ko-KR" altLang="en-US" sz="1100" dirty="0" smtClean="0"/>
-              <a:t>물건을 따는 자세</a:t>
-            </a:r>
-            <a:endParaRPr lang="ko-KR" altLang="en-US" sz="1100" dirty="0"/>
-          </a:p>
-        </p:txBody>
-      </p:sp>
-      <p:sp>
-        <p:nvSpPr>
           <p:cNvPr id="7" name="TextBox 6">
             <a:extLst>
               <a:ext uri="{FF2B5EF4-FFF2-40B4-BE49-F238E27FC236}">
@@ -4670,7 +4589,7 @@
         </p:nvSpPr>
         <p:spPr>
           <a:xfrm>
-            <a:off x="5698998" y="3220428"/>
+            <a:off x="5698998" y="4600341"/>
             <a:ext cx="794004" cy="484632"/>
           </a:xfrm>
           <a:prstGeom prst="rightArrow">
@@ -4716,7 +4635,7 @@
         </p:nvSpPr>
         <p:spPr>
           <a:xfrm>
-            <a:off x="5153273" y="2260174"/>
+            <a:off x="5153273" y="3640087"/>
             <a:ext cx="1885453" cy="938719"/>
           </a:xfrm>
           <a:prstGeom prst="rect">
@@ -4796,7 +4715,7 @@
         </p:nvGrpSpPr>
         <p:grpSpPr>
           <a:xfrm>
-            <a:off x="646546" y="1256189"/>
+            <a:off x="646546" y="2636102"/>
             <a:ext cx="4073315" cy="2908371"/>
             <a:chOff x="646546" y="2135583"/>
             <a:chExt cx="4729083" cy="3343092"/>
@@ -4906,7 +4825,7 @@
         </p:blipFill>
         <p:spPr>
           <a:xfrm>
-            <a:off x="7442698" y="1696065"/>
+            <a:off x="7472138" y="2929795"/>
             <a:ext cx="4233706" cy="2372280"/>
           </a:xfrm>
           <a:prstGeom prst="rect">
@@ -4914,238 +4833,6 @@
           </a:prstGeom>
         </p:spPr>
       </p:pic>
-      <p:pic>
-        <p:nvPicPr>
-          <p:cNvPr id="12" name="그림 11"/>
-          <p:cNvPicPr>
-            <a:picLocks noChangeAspect="1"/>
-          </p:cNvPicPr>
-          <p:nvPr/>
-        </p:nvPicPr>
-        <p:blipFill>
-          <a:blip r:embed="rId5"/>
-          <a:stretch>
-            <a:fillRect/>
-          </a:stretch>
-        </p:blipFill>
-        <p:spPr>
-          <a:xfrm>
-            <a:off x="4629256" y="4576086"/>
-            <a:ext cx="990738" cy="1790950"/>
-          </a:xfrm>
-          <a:prstGeom prst="rect">
-            <a:avLst/>
-          </a:prstGeom>
-        </p:spPr>
-      </p:pic>
-      <p:pic>
-        <p:nvPicPr>
-          <p:cNvPr id="16" name="그림 15"/>
-          <p:cNvPicPr>
-            <a:picLocks noChangeAspect="1"/>
-          </p:cNvPicPr>
-          <p:nvPr/>
-        </p:nvPicPr>
-        <p:blipFill>
-          <a:blip r:embed="rId6"/>
-          <a:stretch>
-            <a:fillRect/>
-          </a:stretch>
-        </p:blipFill>
-        <p:spPr>
-          <a:xfrm>
-            <a:off x="6720804" y="4674028"/>
-            <a:ext cx="1633942" cy="1719940"/>
-          </a:xfrm>
-          <a:prstGeom prst="rect">
-            <a:avLst/>
-          </a:prstGeom>
-        </p:spPr>
-      </p:pic>
-      <p:sp>
-        <p:nvSpPr>
-          <p:cNvPr id="22" name="TextBox 21"/>
-          <p:cNvSpPr txBox="1"/>
-          <p:nvPr/>
-        </p:nvSpPr>
-        <p:spPr>
-          <a:xfrm>
-            <a:off x="6902024" y="6429035"/>
-            <a:ext cx="1271502" cy="261610"/>
-          </a:xfrm>
-          <a:prstGeom prst="rect">
-            <a:avLst/>
-          </a:prstGeom>
-          <a:noFill/>
-        </p:spPr>
-        <p:txBody>
-          <a:bodyPr wrap="none" rtlCol="0">
-            <a:spAutoFit/>
-          </a:bodyPr>
-          <a:lstStyle/>
-          <a:p>
-            <a:r>
-              <a:rPr lang="ko-KR" altLang="en-US" sz="1100" dirty="0" smtClean="0"/>
-              <a:t>물건을 줍는 자세</a:t>
-            </a:r>
-            <a:endParaRPr lang="ko-KR" altLang="en-US" sz="1100" dirty="0"/>
-          </a:p>
-        </p:txBody>
-      </p:sp>
-      <p:sp>
-        <p:nvSpPr>
-          <p:cNvPr id="19" name="TextBox 18"/>
-          <p:cNvSpPr txBox="1"/>
-          <p:nvPr/>
-        </p:nvSpPr>
-        <p:spPr>
-          <a:xfrm>
-            <a:off x="1272964" y="5322400"/>
-            <a:ext cx="2743059" cy="369332"/>
-          </a:xfrm>
-          <a:prstGeom prst="rect">
-            <a:avLst/>
-          </a:prstGeom>
-          <a:noFill/>
-        </p:spPr>
-        <p:txBody>
-          <a:bodyPr wrap="none" rtlCol="0">
-            <a:spAutoFit/>
-          </a:bodyPr>
-          <a:lstStyle/>
-          <a:p>
-            <a:r>
-              <a:rPr lang="ko-KR" altLang="en-US" b="1" dirty="0" smtClean="0"/>
-              <a:t>체리</a:t>
-            </a:r>
-            <a:r>
-              <a:rPr lang="en-US" altLang="ko-KR" b="1" dirty="0" smtClean="0"/>
-              <a:t>, </a:t>
-            </a:r>
-            <a:r>
-              <a:rPr lang="ko-KR" altLang="en-US" b="1" dirty="0" err="1" smtClean="0"/>
-              <a:t>조슈아</a:t>
-            </a:r>
-            <a:r>
-              <a:rPr lang="en-US" altLang="ko-KR" b="1" dirty="0" smtClean="0"/>
-              <a:t>, </a:t>
-            </a:r>
-            <a:r>
-              <a:rPr lang="ko-KR" altLang="en-US" b="1" dirty="0" err="1" smtClean="0"/>
-              <a:t>엠버</a:t>
-            </a:r>
-            <a:r>
-              <a:rPr lang="en-US" altLang="ko-KR" b="1" dirty="0" smtClean="0"/>
-              <a:t>, </a:t>
-            </a:r>
-            <a:r>
-              <a:rPr lang="ko-KR" altLang="en-US" b="1" dirty="0" smtClean="0"/>
-              <a:t>레이</a:t>
-            </a:r>
-            <a:endParaRPr lang="ko-KR" altLang="en-US" b="1" dirty="0"/>
-          </a:p>
-        </p:txBody>
-      </p:sp>
-      <p:sp>
-        <p:nvSpPr>
-          <p:cNvPr id="24" name="TextBox 23"/>
-          <p:cNvSpPr txBox="1"/>
-          <p:nvPr/>
-        </p:nvSpPr>
-        <p:spPr>
-          <a:xfrm>
-            <a:off x="8617750" y="5333542"/>
-            <a:ext cx="2690160" cy="369332"/>
-          </a:xfrm>
-          <a:prstGeom prst="rect">
-            <a:avLst/>
-          </a:prstGeom>
-          <a:noFill/>
-        </p:spPr>
-        <p:txBody>
-          <a:bodyPr wrap="none" rtlCol="0">
-            <a:spAutoFit/>
-          </a:bodyPr>
-          <a:lstStyle/>
-          <a:p>
-            <a:r>
-              <a:rPr lang="ko-KR" altLang="en-US" b="1" dirty="0" err="1" smtClean="0"/>
-              <a:t>원송이</a:t>
-            </a:r>
-            <a:r>
-              <a:rPr lang="en-US" altLang="ko-KR" b="1" dirty="0" smtClean="0"/>
-              <a:t>, </a:t>
-            </a:r>
-            <a:r>
-              <a:rPr lang="ko-KR" altLang="en-US" b="1" dirty="0" err="1" smtClean="0"/>
-              <a:t>이안</a:t>
-            </a:r>
-            <a:r>
-              <a:rPr lang="en-US" altLang="ko-KR" b="1" dirty="0" smtClean="0"/>
-              <a:t>, </a:t>
-            </a:r>
-            <a:r>
-              <a:rPr lang="ko-KR" altLang="en-US" b="1" dirty="0" smtClean="0"/>
-              <a:t>사수</a:t>
-            </a:r>
-            <a:r>
-              <a:rPr lang="en-US" altLang="ko-KR" b="1" dirty="0" smtClean="0"/>
-              <a:t>, </a:t>
-            </a:r>
-            <a:r>
-              <a:rPr lang="ko-KR" altLang="en-US" b="1" dirty="0" smtClean="0"/>
-              <a:t>랜디</a:t>
-            </a:r>
-            <a:endParaRPr lang="ko-KR" altLang="en-US" b="1" dirty="0"/>
-          </a:p>
-        </p:txBody>
-      </p:sp>
-      <p:sp>
-        <p:nvSpPr>
-          <p:cNvPr id="33" name="이등변 삼각형 32"/>
-          <p:cNvSpPr/>
-          <p:nvPr/>
-        </p:nvSpPr>
-        <p:spPr>
-          <a:xfrm flipH="1">
-            <a:off x="9962829" y="4068345"/>
-            <a:ext cx="348233" cy="255955"/>
-          </a:xfrm>
-          <a:prstGeom prst="triangle">
-            <a:avLst/>
-          </a:prstGeom>
-          <a:solidFill>
-            <a:schemeClr val="accent4">
-              <a:lumMod val="20000"/>
-              <a:lumOff val="80000"/>
-            </a:schemeClr>
-          </a:solidFill>
-        </p:spPr>
-        <p:style>
-          <a:lnRef idx="2">
-            <a:schemeClr val="accent1">
-              <a:shade val="50000"/>
-            </a:schemeClr>
-          </a:lnRef>
-          <a:fillRef idx="1">
-            <a:schemeClr val="accent1"/>
-          </a:fillRef>
-          <a:effectRef idx="0">
-            <a:schemeClr val="accent1"/>
-          </a:effectRef>
-          <a:fontRef idx="minor">
-            <a:schemeClr val="lt1"/>
-          </a:fontRef>
-        </p:style>
-        <p:txBody>
-          <a:bodyPr rtlCol="0" anchor="ctr"/>
-          <a:lstStyle/>
-          <a:p>
-            <a:pPr algn="ctr"/>
-            <a:endParaRPr lang="ko-KR" altLang="en-US"/>
-          </a:p>
-        </p:txBody>
-      </p:sp>
     </p:spTree>
     <p:extLst>
       <p:ext uri="{BB962C8B-B14F-4D97-AF65-F5344CB8AC3E}">
@@ -5544,11 +5231,7 @@
             </a:r>
             <a:r>
               <a:rPr lang="ko-KR" altLang="en-US" sz="2800" b="1" dirty="0" smtClean="0"/>
-              <a:t>게임 종료</a:t>
-            </a:r>
-            <a:r>
-              <a:rPr lang="ko-KR" altLang="en-US" sz="2800" b="1" dirty="0" smtClean="0"/>
-              <a:t> </a:t>
+              <a:t>게임 종료 </a:t>
             </a:r>
             <a:r>
               <a:rPr lang="en-US" altLang="ko-KR" sz="2800" b="1" dirty="0"/>
@@ -6449,7 +6132,7 @@
                 <a14:useLocalDpi xmlns:a14="http://schemas.microsoft.com/office/drawing/2010/main" val="0"/>
               </a:ext>
               <a:ext uri="{96DAC541-7B7A-43D3-8B79-37D633B846F1}">
-                <asvg:svgBlip xmlns="" xmlns:asvg="http://schemas.microsoft.com/office/drawing/2016/SVG/main" r:embed="rId4"/>
+                <asvg:svgBlip xmlns:asvg="http://schemas.microsoft.com/office/drawing/2016/SVG/main" xmlns="" r:embed="rId4"/>
               </a:ext>
             </a:extLst>
           </a:blip>
